--- a/docs/images/common/zowe-desktop-unable-to-logon.pptx
+++ b/docs/images/common/zowe-desktop-unable-to-logon.pptx
@@ -197,7 +197,7 @@
           <a:p>
             <a:fld id="{598BA84C-8BB5-0D4B-94F8-C19BC8FDFF77}" type="datetimeFigureOut">
               <a:rPr lang="en-US" smtClean="0"/>
-              <a:t>8/4/20</a:t>
+              <a:t>8/5/20</a:t>
             </a:fld>
             <a:endParaRPr lang="en-US"/>
           </a:p>
@@ -699,7 +699,7 @@
           <a:p>
             <a:fld id="{B1DB1BE8-3F77-D044-8747-9903AC5CD864}" type="datetimeFigureOut">
               <a:rPr lang="en-US" smtClean="0"/>
-              <a:t>8/4/20</a:t>
+              <a:t>8/5/20</a:t>
             </a:fld>
             <a:endParaRPr lang="en-US"/>
           </a:p>
@@ -897,7 +897,7 @@
           <a:p>
             <a:fld id="{B1DB1BE8-3F77-D044-8747-9903AC5CD864}" type="datetimeFigureOut">
               <a:rPr lang="en-US" smtClean="0"/>
-              <a:t>8/4/20</a:t>
+              <a:t>8/5/20</a:t>
             </a:fld>
             <a:endParaRPr lang="en-US"/>
           </a:p>
@@ -1105,7 +1105,7 @@
           <a:p>
             <a:fld id="{B1DB1BE8-3F77-D044-8747-9903AC5CD864}" type="datetimeFigureOut">
               <a:rPr lang="en-US" smtClean="0"/>
-              <a:t>8/4/20</a:t>
+              <a:t>8/5/20</a:t>
             </a:fld>
             <a:endParaRPr lang="en-US"/>
           </a:p>
@@ -1303,7 +1303,7 @@
           <a:p>
             <a:fld id="{B1DB1BE8-3F77-D044-8747-9903AC5CD864}" type="datetimeFigureOut">
               <a:rPr lang="en-US" smtClean="0"/>
-              <a:t>8/4/20</a:t>
+              <a:t>8/5/20</a:t>
             </a:fld>
             <a:endParaRPr lang="en-US"/>
           </a:p>
@@ -1578,7 +1578,7 @@
           <a:p>
             <a:fld id="{B1DB1BE8-3F77-D044-8747-9903AC5CD864}" type="datetimeFigureOut">
               <a:rPr lang="en-US" smtClean="0"/>
-              <a:t>8/4/20</a:t>
+              <a:t>8/5/20</a:t>
             </a:fld>
             <a:endParaRPr lang="en-US"/>
           </a:p>
@@ -1843,7 +1843,7 @@
           <a:p>
             <a:fld id="{B1DB1BE8-3F77-D044-8747-9903AC5CD864}" type="datetimeFigureOut">
               <a:rPr lang="en-US" smtClean="0"/>
-              <a:t>8/4/20</a:t>
+              <a:t>8/5/20</a:t>
             </a:fld>
             <a:endParaRPr lang="en-US"/>
           </a:p>
@@ -2255,7 +2255,7 @@
           <a:p>
             <a:fld id="{B1DB1BE8-3F77-D044-8747-9903AC5CD864}" type="datetimeFigureOut">
               <a:rPr lang="en-US" smtClean="0"/>
-              <a:t>8/4/20</a:t>
+              <a:t>8/5/20</a:t>
             </a:fld>
             <a:endParaRPr lang="en-US"/>
           </a:p>
@@ -2396,7 +2396,7 @@
           <a:p>
             <a:fld id="{B1DB1BE8-3F77-D044-8747-9903AC5CD864}" type="datetimeFigureOut">
               <a:rPr lang="en-US" smtClean="0"/>
-              <a:t>8/4/20</a:t>
+              <a:t>8/5/20</a:t>
             </a:fld>
             <a:endParaRPr lang="en-US"/>
           </a:p>
@@ -2509,7 +2509,7 @@
           <a:p>
             <a:fld id="{B1DB1BE8-3F77-D044-8747-9903AC5CD864}" type="datetimeFigureOut">
               <a:rPr lang="en-US" smtClean="0"/>
-              <a:t>8/4/20</a:t>
+              <a:t>8/5/20</a:t>
             </a:fld>
             <a:endParaRPr lang="en-US"/>
           </a:p>
@@ -2820,7 +2820,7 @@
           <a:p>
             <a:fld id="{B1DB1BE8-3F77-D044-8747-9903AC5CD864}" type="datetimeFigureOut">
               <a:rPr lang="en-US" smtClean="0"/>
-              <a:t>8/4/20</a:t>
+              <a:t>8/5/20</a:t>
             </a:fld>
             <a:endParaRPr lang="en-US"/>
           </a:p>
@@ -3108,7 +3108,7 @@
           <a:p>
             <a:fld id="{B1DB1BE8-3F77-D044-8747-9903AC5CD864}" type="datetimeFigureOut">
               <a:rPr lang="en-US" smtClean="0"/>
-              <a:t>8/4/20</a:t>
+              <a:t>8/5/20</a:t>
             </a:fld>
             <a:endParaRPr lang="en-US"/>
           </a:p>
@@ -3349,7 +3349,7 @@
           <a:p>
             <a:fld id="{B1DB1BE8-3F77-D044-8747-9903AC5CD864}" type="datetimeFigureOut">
               <a:rPr lang="en-US" smtClean="0"/>
-              <a:t>8/4/20</a:t>
+              <a:t>8/5/20</a:t>
             </a:fld>
             <a:endParaRPr lang="en-US"/>
           </a:p>
@@ -8194,47 +8194,6 @@
       </p:sp>
       <p:sp>
         <p:nvSpPr>
-          <p:cNvPr id="118" name="TextBox 117">
-            <a:extLst>
-              <a:ext uri="{FF2B5EF4-FFF2-40B4-BE49-F238E27FC236}">
-                <a16:creationId xmlns:a16="http://schemas.microsoft.com/office/drawing/2014/main" id="{441AA412-E83B-4342-90AD-5803F84BB144}"/>
-              </a:ext>
-            </a:extLst>
-          </p:cNvPr>
-          <p:cNvSpPr txBox="1"/>
-          <p:nvPr/>
-        </p:nvSpPr>
-        <p:spPr>
-          <a:xfrm>
-            <a:off x="1971761" y="4586209"/>
-            <a:ext cx="891591" cy="338554"/>
-          </a:xfrm>
-          <a:prstGeom prst="rect">
-            <a:avLst/>
-          </a:prstGeom>
-          <a:noFill/>
-        </p:spPr>
-        <p:txBody>
-          <a:bodyPr wrap="none" rtlCol="0">
-            <a:spAutoFit/>
-          </a:bodyPr>
-          <a:lstStyle/>
-          <a:p>
-            <a:r>
-              <a:rPr lang="en-US" sz="1600" dirty="0">
-                <a:solidFill>
-                  <a:srgbClr val="7030A0"/>
-                </a:solidFill>
-                <a:latin typeface="Arial" panose="020B0604020202020204" pitchFamily="34" charset="0"/>
-                <a:cs typeface="Arial" panose="020B0604020202020204" pitchFamily="34" charset="0"/>
-              </a:rPr>
-              <a:t>metal C</a:t>
-            </a:r>
-          </a:p>
-        </p:txBody>
-      </p:sp>
-      <p:sp>
-        <p:nvSpPr>
           <p:cNvPr id="36" name="TextBox 35">
             <a:extLst>
               <a:ext uri="{FF2B5EF4-FFF2-40B4-BE49-F238E27FC236}">
@@ -8728,7 +8687,7 @@
         </p:nvSpPr>
         <p:spPr>
           <a:xfrm>
-            <a:off x="2092565" y="6268594"/>
+            <a:off x="2053886" y="6281904"/>
             <a:ext cx="332142" cy="338554"/>
           </a:xfrm>
           <a:prstGeom prst="rect">
@@ -10287,8 +10246,8 @@
         </p:nvSpPr>
         <p:spPr>
           <a:xfrm>
-            <a:off x="788003" y="3293974"/>
-            <a:ext cx="1528591" cy="3436184"/>
+            <a:off x="806766" y="3276469"/>
+            <a:ext cx="1534416" cy="3436184"/>
           </a:xfrm>
           <a:prstGeom prst="rect">
             <a:avLst/>
@@ -10440,6 +10399,47 @@
             <a:r>
               <a:rPr lang="en-US" dirty="0"/>
               <a:t>1</a:t>
+            </a:r>
+          </a:p>
+        </p:txBody>
+      </p:sp>
+      <p:sp>
+        <p:nvSpPr>
+          <p:cNvPr id="118" name="TextBox 117">
+            <a:extLst>
+              <a:ext uri="{FF2B5EF4-FFF2-40B4-BE49-F238E27FC236}">
+                <a16:creationId xmlns:a16="http://schemas.microsoft.com/office/drawing/2014/main" id="{441AA412-E83B-4342-90AD-5803F84BB144}"/>
+              </a:ext>
+            </a:extLst>
+          </p:cNvPr>
+          <p:cNvSpPr txBox="1"/>
+          <p:nvPr/>
+        </p:nvSpPr>
+        <p:spPr>
+          <a:xfrm>
+            <a:off x="1966973" y="4598195"/>
+            <a:ext cx="891591" cy="338554"/>
+          </a:xfrm>
+          <a:prstGeom prst="rect">
+            <a:avLst/>
+          </a:prstGeom>
+          <a:noFill/>
+        </p:spPr>
+        <p:txBody>
+          <a:bodyPr wrap="none" rtlCol="0">
+            <a:spAutoFit/>
+          </a:bodyPr>
+          <a:lstStyle/>
+          <a:p>
+            <a:r>
+              <a:rPr lang="en-US" sz="1600" dirty="0">
+                <a:solidFill>
+                  <a:schemeClr val="accent1"/>
+                </a:solidFill>
+                <a:latin typeface="Arial" panose="020B0604020202020204" pitchFamily="34" charset="0"/>
+                <a:cs typeface="Arial" panose="020B0604020202020204" pitchFamily="34" charset="0"/>
+              </a:rPr>
+              <a:t>metal C</a:t>
             </a:r>
           </a:p>
         </p:txBody>
